--- a/files/teaching/sublinear-big-data-4.pptx
+++ b/files/teaching/sublinear-big-data-4.pptx
@@ -3303,13 +3303,46 @@
           <a:p>
             <a:r>
               <a:rPr lang="en-US" sz="4800" b="1" dirty="0" smtClean="0"/>
-              <a:t>Lecture </a:t>
+              <a:t>Lecture 4</a:t>
+            </a:r>
+            <a:endParaRPr lang="en-US" sz="4800" b="1" dirty="0"/>
+          </a:p>
+        </p:txBody>
+      </p:sp>
+      <p:sp>
+        <p:nvSpPr>
+          <p:cNvPr id="5" name="TextBox 4"/>
+          <p:cNvSpPr txBox="1"/>
+          <p:nvPr/>
+        </p:nvSpPr>
+        <p:spPr>
+          <a:xfrm>
+            <a:off x="609600" y="535632"/>
+            <a:ext cx="8000999" cy="461665"/>
+          </a:xfrm>
+          <a:prstGeom prst="rect">
+            <a:avLst/>
+          </a:prstGeom>
+          <a:noFill/>
+        </p:spPr>
+        <p:txBody>
+          <a:bodyPr wrap="square" rtlCol="0">
+            <a:spAutoFit/>
+          </a:bodyPr>
+          <a:lstStyle/>
+          <a:p>
+            <a:pPr algn="ctr"/>
+            <a:r>
+              <a:rPr lang="en-US" sz="2400" b="1" dirty="0" smtClean="0"/>
+              <a:t>Slides are available at </a:t>
             </a:r>
             <a:r>
-              <a:rPr lang="en-US" sz="4800" b="1" dirty="0" smtClean="0"/>
-              <a:t>4</a:t>
+              <a:rPr lang="en-US" sz="2400" b="1" dirty="0" smtClean="0">
+                <a:hlinkClick r:id="rId4"/>
+              </a:rPr>
+              <a:t>http://grigory.us/big-data.html</a:t>
             </a:r>
-            <a:endParaRPr lang="en-US" sz="4800" b="1" dirty="0"/>
+            <a:endParaRPr lang="en-US" sz="2400" b="1" dirty="0"/>
           </a:p>
         </p:txBody>
       </p:sp>
@@ -3377,8 +3410,8 @@
           </a:p>
         </p:txBody>
       </p:sp>
-      <mc:AlternateContent xmlns:mc="http://schemas.openxmlformats.org/markup-compatibility/2006">
-        <mc:Choice xmlns:a14="http://schemas.microsoft.com/office/drawing/2010/main" Requires="a14">
+      <mc:AlternateContent xmlns:mc="http://schemas.openxmlformats.org/markup-compatibility/2006" xmlns:a14="http://schemas.microsoft.com/office/drawing/2010/main">
+        <mc:Choice Requires="a14">
           <p:sp>
             <p:nvSpPr>
               <p:cNvPr id="3" name="Content Placeholder 2"/>
@@ -4545,7 +4578,7 @@
             </p:txBody>
           </p:sp>
         </mc:Choice>
-        <mc:Fallback>
+        <mc:Fallback xmlns="">
           <p:sp>
             <p:nvSpPr>
               <p:cNvPr id="3" name="Content Placeholder 2"/>
@@ -5036,8 +5069,8 @@
           </a:p>
         </p:txBody>
       </p:sp>
-      <mc:AlternateContent xmlns:mc="http://schemas.openxmlformats.org/markup-compatibility/2006">
-        <mc:Choice xmlns:a14="http://schemas.microsoft.com/office/drawing/2010/main" Requires="a14">
+      <mc:AlternateContent xmlns:mc="http://schemas.openxmlformats.org/markup-compatibility/2006" xmlns:a14="http://schemas.microsoft.com/office/drawing/2010/main">
+        <mc:Choice Requires="a14">
           <p:sp>
             <p:nvSpPr>
               <p:cNvPr id="3" name="Content Placeholder 2"/>
@@ -5946,7 +5979,7 @@
             </p:txBody>
           </p:sp>
         </mc:Choice>
-        <mc:Fallback>
+        <mc:Fallback xmlns="">
           <p:sp>
             <p:nvSpPr>
               <p:cNvPr id="3" name="Content Placeholder 2"/>
@@ -6783,8 +6816,8 @@
           <a:chExt cx="0" cy="0"/>
         </a:xfrm>
       </p:grpSpPr>
-      <mc:AlternateContent xmlns:mc="http://schemas.openxmlformats.org/markup-compatibility/2006">
-        <mc:Choice xmlns:a14="http://schemas.microsoft.com/office/drawing/2010/main" Requires="a14">
+      <mc:AlternateContent xmlns:mc="http://schemas.openxmlformats.org/markup-compatibility/2006" xmlns:a14="http://schemas.microsoft.com/office/drawing/2010/main">
+        <mc:Choice Requires="a14">
           <p:sp>
             <p:nvSpPr>
               <p:cNvPr id="2" name="Title 1"/>
@@ -6851,7 +6884,7 @@
             </p:txBody>
           </p:sp>
         </mc:Choice>
-        <mc:Fallback>
+        <mc:Fallback xmlns="">
           <p:sp>
             <p:nvSpPr>
               <p:cNvPr id="2" name="Title 1"/>
@@ -6885,8 +6918,8 @@
           </p:sp>
         </mc:Fallback>
       </mc:AlternateContent>
-      <mc:AlternateContent xmlns:mc="http://schemas.openxmlformats.org/markup-compatibility/2006">
-        <mc:Choice xmlns:a14="http://schemas.microsoft.com/office/drawing/2010/main" Requires="a14">
+      <mc:AlternateContent xmlns:mc="http://schemas.openxmlformats.org/markup-compatibility/2006" xmlns:a14="http://schemas.microsoft.com/office/drawing/2010/main">
+        <mc:Choice Requires="a14">
           <p:sp>
             <p:nvSpPr>
               <p:cNvPr id="3" name="Content Placeholder 2"/>
@@ -7630,7 +7663,7 @@
             </p:txBody>
           </p:sp>
         </mc:Choice>
-        <mc:Fallback>
+        <mc:Fallback xmlns="">
           <p:sp>
             <p:nvSpPr>
               <p:cNvPr id="3" name="Content Placeholder 2"/>
@@ -7972,8 +8005,8 @@
           <a:chExt cx="0" cy="0"/>
         </a:xfrm>
       </p:grpSpPr>
-      <mc:AlternateContent xmlns:mc="http://schemas.openxmlformats.org/markup-compatibility/2006">
-        <mc:Choice xmlns:a14="http://schemas.microsoft.com/office/drawing/2010/main" Requires="a14">
+      <mc:AlternateContent xmlns:mc="http://schemas.openxmlformats.org/markup-compatibility/2006" xmlns:a14="http://schemas.microsoft.com/office/drawing/2010/main">
+        <mc:Choice Requires="a14">
           <p:sp>
             <p:nvSpPr>
               <p:cNvPr id="2" name="Title 1"/>
@@ -8040,7 +8073,7 @@
             </p:txBody>
           </p:sp>
         </mc:Choice>
-        <mc:Fallback>
+        <mc:Fallback xmlns="">
           <p:sp>
             <p:nvSpPr>
               <p:cNvPr id="2" name="Title 1"/>
@@ -8074,8 +8107,8 @@
           </p:sp>
         </mc:Fallback>
       </mc:AlternateContent>
-      <mc:AlternateContent xmlns:mc="http://schemas.openxmlformats.org/markup-compatibility/2006">
-        <mc:Choice xmlns:a14="http://schemas.microsoft.com/office/drawing/2010/main" Requires="a14">
+      <mc:AlternateContent xmlns:mc="http://schemas.openxmlformats.org/markup-compatibility/2006" xmlns:a14="http://schemas.microsoft.com/office/drawing/2010/main">
+        <mc:Choice Requires="a14">
           <p:sp>
             <p:nvSpPr>
               <p:cNvPr id="3" name="Content Placeholder 2"/>
@@ -8528,7 +8561,7 @@
                     <m:d>
                       <m:dPr>
                         <m:ctrlPr>
-                          <a:rPr lang="en-US" b="0" i="0" smtClean="0">
+                          <a:rPr lang="en-US" b="0" i="1" smtClean="0">
                             <a:latin typeface="Cambria Math"/>
                           </a:rPr>
                         </m:ctrlPr>
@@ -8984,7 +9017,7 @@
             </p:txBody>
           </p:sp>
         </mc:Choice>
-        <mc:Fallback>
+        <mc:Fallback xmlns="">
           <p:sp>
             <p:nvSpPr>
               <p:cNvPr id="3" name="Content Placeholder 2"/>
@@ -9667,6 +9700,12 @@
                               <a:rPr lang="en-US" b="0" i="1" smtClean="0">
                                 <a:latin typeface="Cambria Math"/>
                               </a:rPr>
+                              <m:t>𝑖</m:t>
+                            </m:r>
+                            <m:r>
+                              <a:rPr lang="en-US" b="0" i="1" smtClean="0">
+                                <a:latin typeface="Cambria Math"/>
+                              </a:rPr>
                               <m:t>𝑗</m:t>
                             </m:r>
                           </m:sub>
@@ -9723,6 +9762,12 @@
                         </m:r>
                       </m:e>
                       <m:sub>
+                        <m:r>
+                          <a:rPr lang="en-US" b="0" i="1" smtClean="0">
+                            <a:latin typeface="Cambria Math"/>
+                          </a:rPr>
+                          <m:t>𝑖</m:t>
+                        </m:r>
                         <m:r>
                           <a:rPr lang="en-US" b="0" i="1" smtClean="0">
                             <a:latin typeface="Cambria Math"/>
@@ -10904,8 +10949,8 @@
           </a:p>
         </p:txBody>
       </p:sp>
-      <mc:AlternateContent xmlns:mc="http://schemas.openxmlformats.org/markup-compatibility/2006">
-        <mc:Choice xmlns:a14="http://schemas.microsoft.com/office/drawing/2010/main" Requires="a14">
+      <mc:AlternateContent xmlns:mc="http://schemas.openxmlformats.org/markup-compatibility/2006" xmlns:a14="http://schemas.microsoft.com/office/drawing/2010/main">
+        <mc:Choice Requires="a14">
           <p:sp>
             <p:nvSpPr>
               <p:cNvPr id="3" name="Content Placeholder 2"/>
@@ -11473,7 +11518,7 @@
             </p:txBody>
           </p:sp>
         </mc:Choice>
-        <mc:Fallback>
+        <mc:Fallback xmlns="">
           <p:sp>
             <p:nvSpPr>
               <p:cNvPr id="3" name="Content Placeholder 2"/>
@@ -12746,7 +12791,7 @@
                       <m:d>
                         <m:dPr>
                           <m:ctrlPr>
-                            <a:rPr lang="en-US" b="0" i="0" smtClean="0">
+                            <a:rPr lang="en-US" b="0" i="1" smtClean="0">
                               <a:latin typeface="Cambria Math"/>
                               <a:ea typeface="Cambria Math"/>
                             </a:rPr>
@@ -12771,12 +12816,65 @@
                               </m:ctrlPr>
                             </m:dPr>
                             <m:e>
-                              <m:r>
-                                <a:rPr lang="en-US" b="0" i="1" smtClean="0">
-                                  <a:latin typeface="Cambria Math"/>
-                                </a:rPr>
-                                <m:t>𝑌</m:t>
-                              </m:r>
+                              <m:sSubSup>
+                                <m:sSubSupPr>
+                                  <m:ctrlPr>
+                                    <a:rPr lang="en-US" b="1" i="1">
+                                      <a:latin typeface="Cambria Math"/>
+                                    </a:rPr>
+                                  </m:ctrlPr>
+                                </m:sSubSupPr>
+                                <m:e>
+                                  <m:d>
+                                    <m:dPr>
+                                      <m:begChr m:val="|"/>
+                                      <m:endChr m:val="|"/>
+                                      <m:ctrlPr>
+                                        <a:rPr lang="en-US" b="1" i="1">
+                                          <a:latin typeface="Cambria Math"/>
+                                        </a:rPr>
+                                      </m:ctrlPr>
+                                    </m:dPr>
+                                    <m:e>
+                                      <m:d>
+                                        <m:dPr>
+                                          <m:begChr m:val="|"/>
+                                          <m:endChr m:val="|"/>
+                                          <m:ctrlPr>
+                                            <a:rPr lang="en-US" b="1" i="1">
+                                              <a:latin typeface="Cambria Math"/>
+                                            </a:rPr>
+                                          </m:ctrlPr>
+                                        </m:dPr>
+                                        <m:e>
+                                          <m:r>
+                                            <a:rPr lang="en-US" b="1" i="1">
+                                              <a:latin typeface="Cambria Math"/>
+                                            </a:rPr>
+                                            <m:t>𝒁</m:t>
+                                          </m:r>
+                                        </m:e>
+                                      </m:d>
+                                    </m:e>
+                                  </m:d>
+                                </m:e>
+                                <m:sub>
+                                  <m:r>
+                                    <a:rPr lang="en-US" i="1">
+                                      <a:latin typeface="Cambria Math"/>
+                                    </a:rPr>
+                                    <m:t>2</m:t>
+                                  </m:r>
+                                </m:sub>
+                                <m:sup>
+                                  <m:r>
+                                    <a:rPr lang="en-US" i="1">
+                                      <a:latin typeface="Cambria Math"/>
+                                    </a:rPr>
+                                    <m:t>2</m:t>
+                                  </m:r>
+                                </m:sup>
+                              </m:sSubSup>
                             </m:e>
                           </m:d>
                           <m:r>
@@ -13781,8 +13879,8 @@
           </a:p>
         </p:txBody>
       </p:sp>
-      <mc:AlternateContent xmlns:mc="http://schemas.openxmlformats.org/markup-compatibility/2006">
-        <mc:Choice xmlns:a14="http://schemas.microsoft.com/office/drawing/2010/main" Requires="a14">
+      <mc:AlternateContent xmlns:mc="http://schemas.openxmlformats.org/markup-compatibility/2006" xmlns:a14="http://schemas.microsoft.com/office/drawing/2010/main">
+        <mc:Choice Requires="a14">
           <p:sp>
             <p:nvSpPr>
               <p:cNvPr id="3" name="Content Placeholder 2"/>
@@ -15001,7 +15099,7 @@
             </p:txBody>
           </p:sp>
         </mc:Choice>
-        <mc:Fallback>
+        <mc:Fallback xmlns="">
           <p:sp>
             <p:nvSpPr>
               <p:cNvPr id="3" name="Content Placeholder 2"/>
@@ -15472,8 +15570,8 @@
           </a:p>
         </p:txBody>
       </p:sp>
-      <mc:AlternateContent xmlns:mc="http://schemas.openxmlformats.org/markup-compatibility/2006">
-        <mc:Choice xmlns:a14="http://schemas.microsoft.com/office/drawing/2010/main" Requires="a14">
+      <mc:AlternateContent xmlns:mc="http://schemas.openxmlformats.org/markup-compatibility/2006" xmlns:a14="http://schemas.microsoft.com/office/drawing/2010/main">
+        <mc:Choice Requires="a14">
           <p:sp>
             <p:nvSpPr>
               <p:cNvPr id="3" name="Content Placeholder 2"/>
@@ -17279,7 +17377,7 @@
             </p:txBody>
           </p:sp>
         </mc:Choice>
-        <mc:Fallback>
+        <mc:Fallback xmlns="">
           <p:sp>
             <p:nvSpPr>
               <p:cNvPr id="3" name="Content Placeholder 2"/>
